--- a/아두이노 대회 발표자료.pptx
+++ b/아두이노 대회 발표자료.pptx
@@ -117,7 +117,7 @@
   </p:defaultTextStyle>
   <p:extLst>
     <p:ext uri="{EFAFB233-063F-42B5-8137-9DF3F51BA10A}">
-      <p15:sldGuideLst xmlns:p15="http://schemas.microsoft.com/office/powerpoint/2012/main" xmlns="">
+      <p15:sldGuideLst xmlns="" xmlns:p15="http://schemas.microsoft.com/office/powerpoint/2012/main">
         <p15:guide id="1" orient="horz" pos="2160" userDrawn="1">
           <p15:clr>
             <a:srgbClr val="A4A3A4"/>
@@ -216,7 +216,7 @@
           <a:p>
             <a:fld id="{C9DAD422-0CE2-7345-9C9C-5AE431B01D98}" type="datetimeFigureOut">
               <a:rPr lang="en-US" altLang="ko-KR" smtClean="0"/>
-              <a:t>6/5/2017</a:t>
+              <a:t>6/6/2017</a:t>
             </a:fld>
             <a:endParaRPr lang="ko-KR" altLang="en-US"/>
           </a:p>
@@ -381,7 +381,7 @@
           <a:p>
             <a:fld id="{9F5593C2-BB06-FE4C-A097-5F24D72EFBBA}" type="datetimeFigureOut">
               <a:rPr lang="en-US" altLang="ko-KR" smtClean="0"/>
-              <a:t>6/5/2017</a:t>
+              <a:t>6/6/2017</a:t>
             </a:fld>
             <a:endParaRPr lang="ko-KR" altLang="en-US"/>
           </a:p>
@@ -1956,7 +1956,7 @@
   </p:clrMapOvr>
   <p:extLst mod="1">
     <p:ext uri="{DCECCB84-F9BA-43D5-87BE-67443E8EF086}">
-      <p15:sldGuideLst xmlns:p15="http://schemas.microsoft.com/office/powerpoint/2012/main" xmlns="">
+      <p15:sldGuideLst xmlns="" xmlns:p15="http://schemas.microsoft.com/office/powerpoint/2012/main">
         <p15:guide id="1" orient="horz" pos="2160" userDrawn="1">
           <p15:clr>
             <a:srgbClr val="FBAE40"/>
@@ -2781,7 +2781,7 @@
   </p:clrMapOvr>
   <p:extLst mod="1">
     <p:ext uri="{DCECCB84-F9BA-43D5-87BE-67443E8EF086}">
-      <p15:sldGuideLst xmlns:p15="http://schemas.microsoft.com/office/powerpoint/2012/main" xmlns="">
+      <p15:sldGuideLst xmlns="" xmlns:p15="http://schemas.microsoft.com/office/powerpoint/2012/main">
         <p15:guide id="1" orient="horz" pos="2160">
           <p15:clr>
             <a:srgbClr val="FBAE40"/>
@@ -2961,7 +2961,7 @@
             <a:fld id="{79F33ED0-BB53-40D6-86C9-526C8F33B5AF}" type="datetimeFigureOut">
               <a:rPr lang="ko-KR" altLang="en-US" smtClean="0"/>
               <a:pPr/>
-              <a:t>2017-06-05</a:t>
+              <a:t>2017-06-06</a:t>
             </a:fld>
             <a:endParaRPr lang="ko-KR" altLang="en-US"/>
           </a:p>
@@ -3379,55 +3379,6 @@
       </p:grpSpPr>
       <p:sp>
         <p:nvSpPr>
-          <p:cNvPr id="5" name="직사각형 4"/>
-          <p:cNvSpPr/>
-          <p:nvPr/>
-        </p:nvSpPr>
-        <p:spPr>
-          <a:xfrm>
-            <a:off x="0" y="2249586"/>
-            <a:ext cx="9144000" cy="2343600"/>
-          </a:xfrm>
-          <a:prstGeom prst="rect">
-            <a:avLst/>
-          </a:prstGeom>
-          <a:blipFill dpi="0" rotWithShape="1">
-            <a:blip r:embed="rId2">
-              <a:alphaModFix amt="93000"/>
-            </a:blip>
-            <a:srcRect/>
-            <a:stretch>
-              <a:fillRect/>
-            </a:stretch>
-          </a:blipFill>
-        </p:spPr>
-        <p:style>
-          <a:lnRef idx="2">
-            <a:schemeClr val="accent1">
-              <a:shade val="50000"/>
-            </a:schemeClr>
-          </a:lnRef>
-          <a:fillRef idx="1">
-            <a:schemeClr val="accent1"/>
-          </a:fillRef>
-          <a:effectRef idx="0">
-            <a:schemeClr val="accent1"/>
-          </a:effectRef>
-          <a:fontRef idx="minor">
-            <a:schemeClr val="lt1"/>
-          </a:fontRef>
-        </p:style>
-        <p:txBody>
-          <a:bodyPr rtlCol="0" anchor="ctr"/>
-          <a:lstStyle/>
-          <a:p>
-            <a:pPr algn="ctr"/>
-            <a:endParaRPr lang="ko-KR" altLang="en-US" dirty="0"/>
-          </a:p>
-        </p:txBody>
-      </p:sp>
-      <p:sp>
-        <p:nvSpPr>
           <p:cNvPr id="20" name="제목 19"/>
           <p:cNvSpPr>
             <a:spLocks noGrp="1"/>
@@ -3764,7 +3715,7 @@
           <p:nvPr/>
         </p:nvPicPr>
         <p:blipFill>
-          <a:blip r:embed="rId3" cstate="print">
+          <a:blip r:embed="rId2" cstate="print">
             <a:extLst>
               <a:ext uri="{28A0092B-C50C-407E-A947-70E740481C1C}">
                 <a14:useLocalDpi xmlns:a14="http://schemas.microsoft.com/office/drawing/2010/main" val="0"/>
@@ -5998,18 +5949,22 @@
           <a:p>
             <a:pPr algn="ctr"/>
             <a:r>
-              <a:rPr lang="ko-KR" altLang="en-US" dirty="0" smtClean="0"/>
-              <a:t>사용 부품 </a:t>
-            </a:r>
-            <a:r>
-              <a:rPr lang="en-US" altLang="ko-KR" dirty="0" smtClean="0"/>
+              <a:rPr lang="ko-KR" altLang="en-US" sz="3200" b="1" dirty="0" smtClean="0"/>
+              <a:t>사용 </a:t>
+            </a:r>
+            <a:r>
+              <a:rPr lang="ko-KR" altLang="en-US" sz="3200" b="1" dirty="0" smtClean="0"/>
+              <a:t>부품 </a:t>
+            </a:r>
+            <a:r>
+              <a:rPr lang="en-US" altLang="ko-KR" sz="3200" b="1" dirty="0" smtClean="0"/>
               <a:t>&amp; </a:t>
             </a:r>
             <a:r>
-              <a:rPr lang="ko-KR" altLang="en-US" dirty="0" smtClean="0"/>
-              <a:t>회로설계도</a:t>
-            </a:r>
-            <a:endParaRPr lang="ko-KR" altLang="en-US" dirty="0"/>
+              <a:rPr lang="ko-KR" altLang="en-US" sz="3200" b="1" dirty="0" smtClean="0"/>
+              <a:t>회로도</a:t>
+            </a:r>
+            <a:endParaRPr lang="ko-KR" altLang="en-US" sz="3200" b="1" dirty="0"/>
           </a:p>
         </p:txBody>
       </p:sp>
@@ -6048,22 +6003,651 @@
           </a:fontRef>
         </p:style>
       </p:cxnSp>
+      <p:pic>
+        <p:nvPicPr>
+          <p:cNvPr id="3" name="그림 2"/>
+          <p:cNvPicPr>
+            <a:picLocks noChangeAspect="1"/>
+          </p:cNvPicPr>
+          <p:nvPr/>
+        </p:nvPicPr>
+        <p:blipFill>
+          <a:blip r:embed="rId3">
+            <a:extLst>
+              <a:ext uri="{28A0092B-C50C-407E-A947-70E740481C1C}">
+                <a14:useLocalDpi xmlns:a14="http://schemas.microsoft.com/office/drawing/2010/main" val="0"/>
+              </a:ext>
+            </a:extLst>
+          </a:blip>
+          <a:stretch>
+            <a:fillRect/>
+          </a:stretch>
+        </p:blipFill>
+        <p:spPr>
+          <a:xfrm>
+            <a:off x="854464" y="1545280"/>
+            <a:ext cx="4923250" cy="3916843"/>
+          </a:xfrm>
+          <a:prstGeom prst="rect">
+            <a:avLst/>
+          </a:prstGeom>
+        </p:spPr>
+      </p:pic>
       <p:sp>
         <p:nvSpPr>
-          <p:cNvPr id="4" name="내용 개체 틀 3"/>
-          <p:cNvSpPr>
-            <a:spLocks noGrp="1"/>
-          </p:cNvSpPr>
-          <p:nvPr>
-            <p:ph idx="12"/>
-          </p:nvPr>
+          <p:cNvPr id="6" name="TextBox 5"/>
+          <p:cNvSpPr txBox="1"/>
+          <p:nvPr/>
         </p:nvSpPr>
-        <p:spPr/>
+        <p:spPr>
+          <a:xfrm>
+            <a:off x="5777714" y="1545279"/>
+            <a:ext cx="3293542" cy="3916844"/>
+          </a:xfrm>
+          <a:prstGeom prst="rect">
+            <a:avLst/>
+          </a:prstGeom>
+        </p:spPr>
         <p:txBody>
-          <a:bodyPr/>
-          <a:lstStyle/>
-          <a:p>
-            <a:endParaRPr lang="ko-KR" altLang="en-US"/>
+          <a:bodyPr vert="horz" lIns="91440" tIns="45720" rIns="91440" bIns="45720" rtlCol="0" anchor="t">
+            <a:noAutofit/>
+          </a:bodyPr>
+          <a:lstStyle>
+            <a:lvl1pPr indent="0" algn="ctr" defTabSz="914400" latinLnBrk="1">
+              <a:lnSpc>
+                <a:spcPct val="80000"/>
+              </a:lnSpc>
+              <a:spcBef>
+                <a:spcPts val="1000"/>
+              </a:spcBef>
+              <a:buFont typeface="Arial" panose="020B0604020202020204" pitchFamily="34" charset="0"/>
+              <a:buNone/>
+              <a:defRPr sz="1400"/>
+            </a:lvl1pPr>
+            <a:lvl2pPr indent="0" defTabSz="914400" latinLnBrk="1">
+              <a:lnSpc>
+                <a:spcPct val="80000"/>
+              </a:lnSpc>
+              <a:spcBef>
+                <a:spcPts val="500"/>
+              </a:spcBef>
+              <a:buFont typeface="Arial" panose="020B0604020202020204" pitchFamily="34" charset="0"/>
+              <a:buNone/>
+              <a:defRPr sz="1400"/>
+            </a:lvl2pPr>
+            <a:lvl3pPr indent="0" defTabSz="914400" latinLnBrk="1">
+              <a:lnSpc>
+                <a:spcPct val="80000"/>
+              </a:lnSpc>
+              <a:spcBef>
+                <a:spcPts val="500"/>
+              </a:spcBef>
+              <a:buFont typeface="Arial" panose="020B0604020202020204" pitchFamily="34" charset="0"/>
+              <a:buNone/>
+              <a:defRPr sz="1200"/>
+            </a:lvl3pPr>
+            <a:lvl4pPr indent="0" defTabSz="914400" latinLnBrk="1">
+              <a:lnSpc>
+                <a:spcPct val="80000"/>
+              </a:lnSpc>
+              <a:spcBef>
+                <a:spcPts val="500"/>
+              </a:spcBef>
+              <a:buFont typeface="Arial" panose="020B0604020202020204" pitchFamily="34" charset="0"/>
+              <a:buNone/>
+              <a:defRPr sz="1100"/>
+            </a:lvl4pPr>
+            <a:lvl5pPr indent="0" defTabSz="914400" latinLnBrk="1">
+              <a:lnSpc>
+                <a:spcPct val="80000"/>
+              </a:lnSpc>
+              <a:spcBef>
+                <a:spcPts val="500"/>
+              </a:spcBef>
+              <a:buFont typeface="Arial" panose="020B0604020202020204" pitchFamily="34" charset="0"/>
+              <a:buNone/>
+              <a:defRPr sz="1100"/>
+            </a:lvl5pPr>
+            <a:lvl6pPr marL="2514600" indent="-228600" defTabSz="914400" latinLnBrk="1">
+              <a:lnSpc>
+                <a:spcPct val="90000"/>
+              </a:lnSpc>
+              <a:spcBef>
+                <a:spcPts val="500"/>
+              </a:spcBef>
+              <a:buFont typeface="Arial" panose="020B0604020202020204" pitchFamily="34" charset="0"/>
+              <a:buChar char="•"/>
+            </a:lvl6pPr>
+            <a:lvl7pPr marL="2971800" indent="-228600" defTabSz="914400" latinLnBrk="1">
+              <a:lnSpc>
+                <a:spcPct val="90000"/>
+              </a:lnSpc>
+              <a:spcBef>
+                <a:spcPts val="500"/>
+              </a:spcBef>
+              <a:buFont typeface="Arial" panose="020B0604020202020204" pitchFamily="34" charset="0"/>
+              <a:buChar char="•"/>
+            </a:lvl7pPr>
+            <a:lvl8pPr marL="3429000" indent="-228600" defTabSz="914400" latinLnBrk="1">
+              <a:lnSpc>
+                <a:spcPct val="90000"/>
+              </a:lnSpc>
+              <a:spcBef>
+                <a:spcPts val="500"/>
+              </a:spcBef>
+              <a:buFont typeface="Arial" panose="020B0604020202020204" pitchFamily="34" charset="0"/>
+              <a:buChar char="•"/>
+            </a:lvl8pPr>
+            <a:lvl9pPr marL="3886200" indent="-228600" defTabSz="914400" latinLnBrk="1">
+              <a:lnSpc>
+                <a:spcPct val="90000"/>
+              </a:lnSpc>
+              <a:spcBef>
+                <a:spcPts val="500"/>
+              </a:spcBef>
+              <a:buFont typeface="Arial" panose="020B0604020202020204" pitchFamily="34" charset="0"/>
+              <a:buChar char="•"/>
+            </a:lvl9pPr>
+          </a:lstStyle>
+          <a:p>
+            <a:pPr algn="l"/>
+            <a:r>
+              <a:rPr lang="ko-KR" altLang="en-US" sz="1800" b="1" dirty="0" err="1" smtClean="0">
+                <a:ln>
+                  <a:solidFill>
+                    <a:srgbClr val="333944">
+                      <a:alpha val="0"/>
+                    </a:srgbClr>
+                  </a:solidFill>
+                </a:ln>
+                <a:solidFill>
+                  <a:srgbClr val="333944"/>
+                </a:solidFill>
+                <a:latin typeface="+mj-ea"/>
+                <a:ea typeface="+mj-ea"/>
+              </a:rPr>
+              <a:t>아두이노</a:t>
+            </a:r>
+            <a:r>
+              <a:rPr lang="ko-KR" altLang="en-US" sz="1800" b="1" dirty="0" smtClean="0">
+                <a:ln>
+                  <a:solidFill>
+                    <a:srgbClr val="333944">
+                      <a:alpha val="0"/>
+                    </a:srgbClr>
+                  </a:solidFill>
+                </a:ln>
+                <a:solidFill>
+                  <a:srgbClr val="333944"/>
+                </a:solidFill>
+                <a:latin typeface="+mj-ea"/>
+                <a:ea typeface="+mj-ea"/>
+              </a:rPr>
+              <a:t> </a:t>
+            </a:r>
+            <a:r>
+              <a:rPr lang="en-US" altLang="ko-KR" sz="1800" b="1" dirty="0" smtClean="0">
+                <a:ln>
+                  <a:solidFill>
+                    <a:srgbClr val="333944">
+                      <a:alpha val="0"/>
+                    </a:srgbClr>
+                  </a:solidFill>
+                </a:ln>
+                <a:solidFill>
+                  <a:srgbClr val="333944"/>
+                </a:solidFill>
+                <a:latin typeface="+mj-ea"/>
+                <a:ea typeface="+mj-ea"/>
+              </a:rPr>
+              <a:t>UNO Board x 1</a:t>
+            </a:r>
+          </a:p>
+          <a:p>
+            <a:pPr algn="l"/>
+            <a:r>
+              <a:rPr lang="ko-KR" altLang="en-US" sz="1800" b="1" dirty="0" err="1" smtClean="0">
+                <a:ln>
+                  <a:solidFill>
+                    <a:srgbClr val="333944">
+                      <a:alpha val="0"/>
+                    </a:srgbClr>
+                  </a:solidFill>
+                </a:ln>
+                <a:solidFill>
+                  <a:srgbClr val="333944"/>
+                </a:solidFill>
+                <a:latin typeface="+mj-ea"/>
+                <a:ea typeface="+mj-ea"/>
+              </a:rPr>
+              <a:t>브레드보드</a:t>
+            </a:r>
+            <a:r>
+              <a:rPr lang="ko-KR" altLang="en-US" sz="1800" b="1" dirty="0" smtClean="0">
+                <a:ln>
+                  <a:solidFill>
+                    <a:srgbClr val="333944">
+                      <a:alpha val="0"/>
+                    </a:srgbClr>
+                  </a:solidFill>
+                </a:ln>
+                <a:solidFill>
+                  <a:srgbClr val="333944"/>
+                </a:solidFill>
+                <a:latin typeface="+mj-ea"/>
+                <a:ea typeface="+mj-ea"/>
+              </a:rPr>
+              <a:t> </a:t>
+            </a:r>
+            <a:r>
+              <a:rPr lang="en-US" altLang="ko-KR" sz="1800" b="1" dirty="0" smtClean="0">
+                <a:ln>
+                  <a:solidFill>
+                    <a:srgbClr val="333944">
+                      <a:alpha val="0"/>
+                    </a:srgbClr>
+                  </a:solidFill>
+                </a:ln>
+                <a:solidFill>
+                  <a:srgbClr val="333944"/>
+                </a:solidFill>
+                <a:latin typeface="+mj-ea"/>
+                <a:ea typeface="+mj-ea"/>
+              </a:rPr>
+              <a:t>x 1</a:t>
+            </a:r>
+          </a:p>
+          <a:p>
+            <a:pPr algn="l"/>
+            <a:r>
+              <a:rPr lang="ko-KR" altLang="en-US" sz="1800" b="1" dirty="0" smtClean="0">
+                <a:ln>
+                  <a:solidFill>
+                    <a:srgbClr val="333944">
+                      <a:alpha val="0"/>
+                    </a:srgbClr>
+                  </a:solidFill>
+                </a:ln>
+                <a:solidFill>
+                  <a:srgbClr val="333944"/>
+                </a:solidFill>
+                <a:latin typeface="+mj-ea"/>
+                <a:ea typeface="+mj-ea"/>
+              </a:rPr>
+              <a:t>배터리</a:t>
+            </a:r>
+            <a:r>
+              <a:rPr lang="en-US" altLang="ko-KR" sz="1800" b="1" dirty="0" smtClean="0">
+                <a:ln>
+                  <a:solidFill>
+                    <a:srgbClr val="333944">
+                      <a:alpha val="0"/>
+                    </a:srgbClr>
+                  </a:solidFill>
+                </a:ln>
+                <a:solidFill>
+                  <a:srgbClr val="333944"/>
+                </a:solidFill>
+                <a:latin typeface="+mj-ea"/>
+                <a:ea typeface="+mj-ea"/>
+              </a:rPr>
+              <a:t>x1</a:t>
+            </a:r>
+          </a:p>
+          <a:p>
+            <a:pPr algn="l"/>
+            <a:r>
+              <a:rPr lang="en-US" altLang="ko-KR" sz="1800" b="1" dirty="0" smtClean="0">
+                <a:ln>
+                  <a:solidFill>
+                    <a:srgbClr val="333944">
+                      <a:alpha val="0"/>
+                    </a:srgbClr>
+                  </a:solidFill>
+                </a:ln>
+                <a:solidFill>
+                  <a:srgbClr val="333944"/>
+                </a:solidFill>
+                <a:latin typeface="+mj-ea"/>
+                <a:ea typeface="+mj-ea"/>
+              </a:rPr>
+              <a:t>HC-05 </a:t>
+            </a:r>
+            <a:r>
+              <a:rPr lang="ko-KR" altLang="en-US" sz="1800" b="1" dirty="0" err="1" smtClean="0">
+                <a:ln>
+                  <a:solidFill>
+                    <a:srgbClr val="333944">
+                      <a:alpha val="0"/>
+                    </a:srgbClr>
+                  </a:solidFill>
+                </a:ln>
+                <a:solidFill>
+                  <a:srgbClr val="333944"/>
+                </a:solidFill>
+                <a:latin typeface="+mj-ea"/>
+                <a:ea typeface="+mj-ea"/>
+              </a:rPr>
+              <a:t>블루투스</a:t>
+            </a:r>
+            <a:r>
+              <a:rPr lang="ko-KR" altLang="en-US" sz="1800" b="1" dirty="0" smtClean="0">
+                <a:ln>
+                  <a:solidFill>
+                    <a:srgbClr val="333944">
+                      <a:alpha val="0"/>
+                    </a:srgbClr>
+                  </a:solidFill>
+                </a:ln>
+                <a:solidFill>
+                  <a:srgbClr val="333944"/>
+                </a:solidFill>
+                <a:latin typeface="+mj-ea"/>
+                <a:ea typeface="+mj-ea"/>
+              </a:rPr>
+              <a:t> 모듈 </a:t>
+            </a:r>
+            <a:r>
+              <a:rPr lang="en-US" altLang="ko-KR" sz="1800" b="1" dirty="0" smtClean="0">
+                <a:ln>
+                  <a:solidFill>
+                    <a:srgbClr val="333944">
+                      <a:alpha val="0"/>
+                    </a:srgbClr>
+                  </a:solidFill>
+                </a:ln>
+                <a:solidFill>
+                  <a:srgbClr val="333944"/>
+                </a:solidFill>
+                <a:latin typeface="+mj-ea"/>
+                <a:ea typeface="+mj-ea"/>
+              </a:rPr>
+              <a:t>x 1</a:t>
+            </a:r>
+          </a:p>
+          <a:p>
+            <a:pPr algn="l"/>
+            <a:r>
+              <a:rPr lang="en-US" altLang="ko-KR" sz="1800" b="1" dirty="0" smtClean="0">
+                <a:ln>
+                  <a:solidFill>
+                    <a:srgbClr val="333944">
+                      <a:alpha val="0"/>
+                    </a:srgbClr>
+                  </a:solidFill>
+                </a:ln>
+                <a:solidFill>
+                  <a:srgbClr val="333944"/>
+                </a:solidFill>
+                <a:latin typeface="+mj-ea"/>
+                <a:ea typeface="+mj-ea"/>
+              </a:rPr>
+              <a:t>DHT11 </a:t>
+            </a:r>
+            <a:r>
+              <a:rPr lang="ko-KR" altLang="en-US" sz="1800" b="1" dirty="0" err="1" smtClean="0">
+                <a:ln>
+                  <a:solidFill>
+                    <a:srgbClr val="333944">
+                      <a:alpha val="0"/>
+                    </a:srgbClr>
+                  </a:solidFill>
+                </a:ln>
+                <a:solidFill>
+                  <a:srgbClr val="333944"/>
+                </a:solidFill>
+                <a:latin typeface="+mj-ea"/>
+                <a:ea typeface="+mj-ea"/>
+              </a:rPr>
+              <a:t>온습도</a:t>
+            </a:r>
+            <a:r>
+              <a:rPr lang="ko-KR" altLang="en-US" sz="1800" b="1" dirty="0" smtClean="0">
+                <a:ln>
+                  <a:solidFill>
+                    <a:srgbClr val="333944">
+                      <a:alpha val="0"/>
+                    </a:srgbClr>
+                  </a:solidFill>
+                </a:ln>
+                <a:solidFill>
+                  <a:srgbClr val="333944"/>
+                </a:solidFill>
+                <a:latin typeface="+mj-ea"/>
+                <a:ea typeface="+mj-ea"/>
+              </a:rPr>
+              <a:t> 센서 </a:t>
+            </a:r>
+            <a:r>
+              <a:rPr lang="en-US" altLang="ko-KR" sz="1800" b="1" dirty="0" smtClean="0">
+                <a:ln>
+                  <a:solidFill>
+                    <a:srgbClr val="333944">
+                      <a:alpha val="0"/>
+                    </a:srgbClr>
+                  </a:solidFill>
+                </a:ln>
+                <a:solidFill>
+                  <a:srgbClr val="333944"/>
+                </a:solidFill>
+                <a:latin typeface="+mj-ea"/>
+                <a:ea typeface="+mj-ea"/>
+              </a:rPr>
+              <a:t>x 1</a:t>
+            </a:r>
+          </a:p>
+          <a:p>
+            <a:pPr algn="l"/>
+            <a:r>
+              <a:rPr lang="ko-KR" altLang="en-US" sz="1800" b="1" dirty="0" smtClean="0">
+                <a:ln>
+                  <a:solidFill>
+                    <a:srgbClr val="333944">
+                      <a:alpha val="0"/>
+                    </a:srgbClr>
+                  </a:solidFill>
+                </a:ln>
+                <a:solidFill>
+                  <a:srgbClr val="333944"/>
+                </a:solidFill>
+                <a:latin typeface="+mj-ea"/>
+                <a:ea typeface="+mj-ea"/>
+              </a:rPr>
+              <a:t>초음파 센서 </a:t>
+            </a:r>
+            <a:r>
+              <a:rPr lang="en-US" altLang="ko-KR" sz="1800" b="1" dirty="0" smtClean="0">
+                <a:ln>
+                  <a:solidFill>
+                    <a:srgbClr val="333944">
+                      <a:alpha val="0"/>
+                    </a:srgbClr>
+                  </a:solidFill>
+                </a:ln>
+                <a:solidFill>
+                  <a:srgbClr val="333944"/>
+                </a:solidFill>
+                <a:latin typeface="+mj-ea"/>
+                <a:ea typeface="+mj-ea"/>
+              </a:rPr>
+              <a:t>HC-SR04 x 2</a:t>
+            </a:r>
+          </a:p>
+          <a:p>
+            <a:pPr algn="l"/>
+            <a:r>
+              <a:rPr lang="en-US" altLang="ko-KR" sz="1800" b="1" dirty="0" smtClean="0">
+                <a:ln>
+                  <a:solidFill>
+                    <a:srgbClr val="333944">
+                      <a:alpha val="0"/>
+                    </a:srgbClr>
+                  </a:solidFill>
+                </a:ln>
+                <a:solidFill>
+                  <a:srgbClr val="333944"/>
+                </a:solidFill>
+                <a:latin typeface="+mj-ea"/>
+                <a:ea typeface="+mj-ea"/>
+              </a:rPr>
+              <a:t>DC</a:t>
+            </a:r>
+            <a:r>
+              <a:rPr lang="ko-KR" altLang="en-US" sz="1800" b="1" dirty="0" smtClean="0">
+                <a:ln>
+                  <a:solidFill>
+                    <a:srgbClr val="333944">
+                      <a:alpha val="0"/>
+                    </a:srgbClr>
+                  </a:solidFill>
+                </a:ln>
+                <a:solidFill>
+                  <a:srgbClr val="333944"/>
+                </a:solidFill>
+                <a:latin typeface="+mj-ea"/>
+                <a:ea typeface="+mj-ea"/>
+              </a:rPr>
+              <a:t>모터 </a:t>
+            </a:r>
+            <a:r>
+              <a:rPr lang="en-US" altLang="ko-KR" sz="1800" b="1" dirty="0" smtClean="0">
+                <a:ln>
+                  <a:solidFill>
+                    <a:srgbClr val="333944">
+                      <a:alpha val="0"/>
+                    </a:srgbClr>
+                  </a:solidFill>
+                </a:ln>
+                <a:solidFill>
+                  <a:srgbClr val="333944"/>
+                </a:solidFill>
+                <a:latin typeface="+mj-ea"/>
+                <a:ea typeface="+mj-ea"/>
+              </a:rPr>
+              <a:t>x 2</a:t>
+            </a:r>
+          </a:p>
+          <a:p>
+            <a:pPr algn="l"/>
+            <a:r>
+              <a:rPr lang="ko-KR" altLang="en-US" sz="1800" b="1" dirty="0" err="1" smtClean="0">
+                <a:ln>
+                  <a:solidFill>
+                    <a:srgbClr val="333944">
+                      <a:alpha val="0"/>
+                    </a:srgbClr>
+                  </a:solidFill>
+                </a:ln>
+                <a:solidFill>
+                  <a:srgbClr val="333944"/>
+                </a:solidFill>
+                <a:latin typeface="+mj-ea"/>
+                <a:ea typeface="+mj-ea"/>
+              </a:rPr>
+              <a:t>피에조</a:t>
+            </a:r>
+            <a:r>
+              <a:rPr lang="ko-KR" altLang="en-US" sz="1800" b="1" dirty="0" smtClean="0">
+                <a:ln>
+                  <a:solidFill>
+                    <a:srgbClr val="333944">
+                      <a:alpha val="0"/>
+                    </a:srgbClr>
+                  </a:solidFill>
+                </a:ln>
+                <a:solidFill>
+                  <a:srgbClr val="333944"/>
+                </a:solidFill>
+                <a:latin typeface="+mj-ea"/>
+                <a:ea typeface="+mj-ea"/>
+              </a:rPr>
+              <a:t> 스피커 </a:t>
+            </a:r>
+            <a:r>
+              <a:rPr lang="en-US" altLang="ko-KR" sz="1800" b="1" dirty="0" smtClean="0">
+                <a:ln>
+                  <a:solidFill>
+                    <a:srgbClr val="333944">
+                      <a:alpha val="0"/>
+                    </a:srgbClr>
+                  </a:solidFill>
+                </a:ln>
+                <a:solidFill>
+                  <a:srgbClr val="333944"/>
+                </a:solidFill>
+                <a:latin typeface="+mj-ea"/>
+                <a:ea typeface="+mj-ea"/>
+              </a:rPr>
+              <a:t>x 2</a:t>
+            </a:r>
+          </a:p>
+          <a:p>
+            <a:pPr algn="l"/>
+            <a:endParaRPr lang="en-US" altLang="ko-KR" sz="1800" b="1" dirty="0">
+              <a:ln>
+                <a:solidFill>
+                  <a:srgbClr val="333944">
+                    <a:alpha val="0"/>
+                  </a:srgbClr>
+                </a:solidFill>
+              </a:ln>
+              <a:solidFill>
+                <a:srgbClr val="333944"/>
+              </a:solidFill>
+              <a:latin typeface="+mj-ea"/>
+              <a:ea typeface="+mj-ea"/>
+            </a:endParaRPr>
+          </a:p>
+          <a:p>
+            <a:pPr algn="l"/>
+            <a:endParaRPr lang="en-US" altLang="ko-KR" sz="1800" b="1" dirty="0" smtClean="0">
+              <a:ln>
+                <a:solidFill>
+                  <a:srgbClr val="333944">
+                    <a:alpha val="0"/>
+                  </a:srgbClr>
+                </a:solidFill>
+              </a:ln>
+              <a:solidFill>
+                <a:srgbClr val="333944"/>
+              </a:solidFill>
+              <a:latin typeface="+mj-ea"/>
+              <a:ea typeface="+mj-ea"/>
+            </a:endParaRPr>
+          </a:p>
+          <a:p>
+            <a:pPr algn="l"/>
+            <a:endParaRPr lang="en-US" altLang="ko-KR" sz="1800" b="1" dirty="0" smtClean="0">
+              <a:ln>
+                <a:solidFill>
+                  <a:srgbClr val="333944">
+                    <a:alpha val="0"/>
+                  </a:srgbClr>
+                </a:solidFill>
+              </a:ln>
+              <a:solidFill>
+                <a:srgbClr val="333944"/>
+              </a:solidFill>
+              <a:latin typeface="+mj-ea"/>
+              <a:ea typeface="+mj-ea"/>
+            </a:endParaRPr>
+          </a:p>
+          <a:p>
+            <a:pPr algn="l"/>
+            <a:endParaRPr lang="en-US" altLang="ko-KR" sz="1800" b="1" dirty="0" smtClean="0">
+              <a:ln>
+                <a:solidFill>
+                  <a:srgbClr val="333944">
+                    <a:alpha val="0"/>
+                  </a:srgbClr>
+                </a:solidFill>
+              </a:ln>
+              <a:solidFill>
+                <a:srgbClr val="333944"/>
+              </a:solidFill>
+              <a:latin typeface="+mj-ea"/>
+              <a:ea typeface="+mj-ea"/>
+            </a:endParaRPr>
           </a:p>
         </p:txBody>
       </p:sp>
@@ -8052,7 +8636,7 @@
   <a:extraClrSchemeLst/>
   <a:extLst>
     <a:ext uri="{05A4C25C-085E-4340-85A3-A5531E510DB2}">
-      <thm15:themeFamily xmlns:thm15="http://schemas.microsoft.com/office/thememl/2012/main" xmlns="" name="Office Theme" id="{62F939B6-93AF-4DB8-9C6B-D6C7DFDC589F}" vid="{4A3C46E8-61CC-4603-A589-7422A47A8E4A}"/>
+      <thm15:themeFamily xmlns="" xmlns:thm15="http://schemas.microsoft.com/office/thememl/2012/main" name="Office Theme" id="{62F939B6-93AF-4DB8-9C6B-D6C7DFDC589F}" vid="{4A3C46E8-61CC-4603-A589-7422A47A8E4A}"/>
     </a:ext>
   </a:extLst>
 </a:theme>
@@ -8313,7 +8897,7 @@
   <a:extraClrSchemeLst/>
   <a:extLst>
     <a:ext uri="{05A4C25C-085E-4340-85A3-A5531E510DB2}">
-      <thm15:themeFamily xmlns:thm15="http://schemas.microsoft.com/office/thememl/2012/main" xmlns="" name="Office Theme" id="{62F939B6-93AF-4DB8-9C6B-D6C7DFDC589F}" vid="{4A3C46E8-61CC-4603-A589-7422A47A8E4A}"/>
+      <thm15:themeFamily xmlns="" xmlns:thm15="http://schemas.microsoft.com/office/thememl/2012/main" name="Office Theme" id="{62F939B6-93AF-4DB8-9C6B-D6C7DFDC589F}" vid="{4A3C46E8-61CC-4603-A589-7422A47A8E4A}"/>
     </a:ext>
   </a:extLst>
 </a:theme>
@@ -8574,7 +9158,7 @@
   <a:extraClrSchemeLst/>
   <a:extLst>
     <a:ext uri="{05A4C25C-085E-4340-85A3-A5531E510DB2}">
-      <thm15:themeFamily xmlns:thm15="http://schemas.microsoft.com/office/thememl/2012/main" xmlns="" name="Office Theme" id="{62F939B6-93AF-4DB8-9C6B-D6C7DFDC589F}" vid="{4A3C46E8-61CC-4603-A589-7422A47A8E4A}"/>
+      <thm15:themeFamily xmlns="" xmlns:thm15="http://schemas.microsoft.com/office/thememl/2012/main" name="Office Theme" id="{62F939B6-93AF-4DB8-9C6B-D6C7DFDC589F}" vid="{4A3C46E8-61CC-4603-A589-7422A47A8E4A}"/>
     </a:ext>
   </a:extLst>
 </a:theme>
